--- a/presentations/ep1000_3dmodel2/ep1000_3dmodel2.pptx
+++ b/presentations/ep1000_3dmodel2/ep1000_3dmodel2.pptx
@@ -5,7 +5,7 @@
     <p:sldMasterId id="2147483660" r:id="rId1"/>
   </p:sldMasterIdLst>
   <p:notesMasterIdLst>
-    <p:notesMasterId r:id="rId10"/>
+    <p:notesMasterId r:id="rId17"/>
   </p:notesMasterIdLst>
   <p:sldIdLst>
     <p:sldId id="256" r:id="rId2"/>
@@ -14,8 +14,15 @@
     <p:sldId id="268" r:id="rId5"/>
     <p:sldId id="270" r:id="rId6"/>
     <p:sldId id="271" r:id="rId7"/>
-    <p:sldId id="275" r:id="rId8"/>
-    <p:sldId id="259" r:id="rId9"/>
+    <p:sldId id="276" r:id="rId8"/>
+    <p:sldId id="277" r:id="rId9"/>
+    <p:sldId id="275" r:id="rId10"/>
+    <p:sldId id="278" r:id="rId11"/>
+    <p:sldId id="279" r:id="rId12"/>
+    <p:sldId id="280" r:id="rId13"/>
+    <p:sldId id="281" r:id="rId14"/>
+    <p:sldId id="282" r:id="rId15"/>
+    <p:sldId id="259" r:id="rId16"/>
   </p:sldIdLst>
   <p:sldSz cx="9144000" cy="6858000" type="screen4x3"/>
   <p:notesSz cx="6858000" cy="9144000"/>
@@ -204,7 +211,7 @@
           <a:p>
             <a:fld id="{2A875741-58CA-43A4-9946-B635E52C5CD8}" type="datetimeFigureOut">
               <a:rPr lang="en-US" smtClean="0"/>
-              <a:t>5/14/2021</a:t>
+              <a:t>5/16/2021</a:t>
             </a:fld>
             <a:endParaRPr lang="en-US"/>
           </a:p>
@@ -614,7 +621,7 @@
           <a:p>
             <a:fld id="{9665C769-D7C3-4E51-9622-EB882B1C6B88}" type="datetime1">
               <a:rPr lang="en-US" smtClean="0"/>
-              <a:t>5/14/2021</a:t>
+              <a:t>5/16/2021</a:t>
             </a:fld>
             <a:endParaRPr lang="en-US"/>
           </a:p>
@@ -808,7 +815,7 @@
           <a:p>
             <a:fld id="{AC2FA8F2-92AD-4DF3-BB80-1A576E4607C5}" type="datetime1">
               <a:rPr lang="en-US" smtClean="0"/>
-              <a:t>5/14/2021</a:t>
+              <a:t>5/16/2021</a:t>
             </a:fld>
             <a:endParaRPr lang="en-US"/>
           </a:p>
@@ -1007,7 +1014,7 @@
           <a:p>
             <a:fld id="{FF161318-0D48-4B52-BC2D-A0EA8E79725D}" type="datetime1">
               <a:rPr lang="en-US" smtClean="0"/>
-              <a:t>5/14/2021</a:t>
+              <a:t>5/16/2021</a:t>
             </a:fld>
             <a:endParaRPr lang="en-US"/>
           </a:p>
@@ -1201,7 +1208,7 @@
           <a:p>
             <a:fld id="{828929F4-2E32-48E9-8E95-ABAA8EAAF6A9}" type="datetime1">
               <a:rPr lang="en-US" smtClean="0"/>
-              <a:t>5/14/2021</a:t>
+              <a:t>5/16/2021</a:t>
             </a:fld>
             <a:endParaRPr lang="en-US"/>
           </a:p>
@@ -1464,7 +1471,7 @@
           <a:p>
             <a:fld id="{4D668969-C21F-428C-9E53-8D921FF4543A}" type="datetime1">
               <a:rPr lang="en-US" smtClean="0"/>
-              <a:t>5/14/2021</a:t>
+              <a:t>5/16/2021</a:t>
             </a:fld>
             <a:endParaRPr lang="en-US"/>
           </a:p>
@@ -1718,7 +1725,7 @@
           <a:p>
             <a:fld id="{01FB22A5-6159-4D69-BFEE-F4892803599C}" type="datetime1">
               <a:rPr lang="en-US" smtClean="0"/>
-              <a:t>5/14/2021</a:t>
+              <a:t>5/16/2021</a:t>
             </a:fld>
             <a:endParaRPr lang="en-US"/>
           </a:p>
@@ -2112,7 +2119,7 @@
           <a:p>
             <a:fld id="{738CC944-9765-440C-9A18-3DC1DA37440E}" type="datetime1">
               <a:rPr lang="en-US" smtClean="0"/>
-              <a:t>5/14/2021</a:t>
+              <a:t>5/16/2021</a:t>
             </a:fld>
             <a:endParaRPr lang="en-US"/>
           </a:p>
@@ -2246,7 +2253,7 @@
           <a:p>
             <a:fld id="{D8661C67-BB8E-4D16-A78D-460AAF94A53C}" type="datetime1">
               <a:rPr lang="en-US" smtClean="0"/>
-              <a:t>5/14/2021</a:t>
+              <a:t>5/16/2021</a:t>
             </a:fld>
             <a:endParaRPr lang="en-US"/>
           </a:p>
@@ -2357,7 +2364,7 @@
           <a:p>
             <a:fld id="{DBBC12E8-4105-456C-A90A-AF2362FB188F}" type="datetime1">
               <a:rPr lang="en-US" smtClean="0"/>
-              <a:t>5/14/2021</a:t>
+              <a:t>5/16/2021</a:t>
             </a:fld>
             <a:endParaRPr lang="en-US"/>
           </a:p>
@@ -2656,7 +2663,7 @@
           <a:p>
             <a:fld id="{11FD4DDA-56B2-4B92-884C-68E9C78E3003}" type="datetime1">
               <a:rPr lang="en-US" smtClean="0"/>
-              <a:t>5/14/2021</a:t>
+              <a:t>5/16/2021</a:t>
             </a:fld>
             <a:endParaRPr lang="en-US"/>
           </a:p>
@@ -2935,7 +2942,7 @@
           <a:p>
             <a:fld id="{750461B4-47C4-4F2C-98A2-225FD39D225C}" type="datetime1">
               <a:rPr lang="en-US" smtClean="0"/>
-              <a:t>5/14/2021</a:t>
+              <a:t>5/16/2021</a:t>
             </a:fld>
             <a:endParaRPr lang="en-US"/>
           </a:p>
@@ -3555,13 +3562,8 @@
           <a:p>
             <a:r>
               <a:rPr lang="en-US" dirty="0"/>
-              <a:t>3D </a:t>
-            </a:r>
-            <a:r>
-              <a:rPr lang="en-US" dirty="0" smtClean="0"/>
-              <a:t>Models - 2</a:t>
-            </a:r>
-            <a:endParaRPr lang="en-US" dirty="0"/>
+              <a:t>3D Models - 2</a:t>
+            </a:r>
           </a:p>
         </p:txBody>
       </p:sp>
@@ -3575,13 +3577,1046 @@
   <p:clrMapOvr>
     <a:masterClrMapping/>
   </p:clrMapOvr>
-  <p:timing>
-    <p:tnLst>
-      <p:par>
-        <p:cTn id="1" dur="indefinite" restart="never" nodeType="tmRoot"/>
-      </p:par>
-    </p:tnLst>
-  </p:timing>
+</p:sld>
+</file>
+
+<file path=ppt/slides/slide10.xml><?xml version="1.0" encoding="utf-8"?>
+<p:sld xmlns:a="http://schemas.openxmlformats.org/drawingml/2006/main" xmlns:r="http://schemas.openxmlformats.org/officeDocument/2006/relationships" xmlns:p="http://schemas.openxmlformats.org/presentationml/2006/main">
+  <p:cSld>
+    <p:spTree>
+      <p:nvGrpSpPr>
+        <p:cNvPr id="1" name=""/>
+        <p:cNvGrpSpPr/>
+        <p:nvPr/>
+      </p:nvGrpSpPr>
+      <p:grpSpPr>
+        <a:xfrm>
+          <a:off x="0" y="0"/>
+          <a:ext cx="0" cy="0"/>
+          <a:chOff x="0" y="0"/>
+          <a:chExt cx="0" cy="0"/>
+        </a:xfrm>
+      </p:grpSpPr>
+      <p:sp>
+        <p:nvSpPr>
+          <p:cNvPr id="2" name="Title 1">
+            <a:extLst>
+              <a:ext uri="{FF2B5EF4-FFF2-40B4-BE49-F238E27FC236}">
+                <a16:creationId xmlns:a16="http://schemas.microsoft.com/office/drawing/2014/main" id="{D65790DB-A826-4E49-BD42-27356B65432B}"/>
+              </a:ext>
+            </a:extLst>
+          </p:cNvPr>
+          <p:cNvSpPr>
+            <a:spLocks noGrp="1"/>
+          </p:cNvSpPr>
+          <p:nvPr>
+            <p:ph type="title"/>
+          </p:nvPr>
+        </p:nvSpPr>
+        <p:spPr/>
+        <p:txBody>
+          <a:bodyPr/>
+          <a:lstStyle/>
+          <a:p>
+            <a:r>
+              <a:rPr lang="en-SG" dirty="0"/>
+              <a:t>Exercise 3: Chess piece - Knight</a:t>
+            </a:r>
+            <a:endParaRPr lang="en-US" dirty="0"/>
+          </a:p>
+        </p:txBody>
+      </p:sp>
+      <p:sp>
+        <p:nvSpPr>
+          <p:cNvPr id="3" name="Content Placeholder 2">
+            <a:extLst>
+              <a:ext uri="{FF2B5EF4-FFF2-40B4-BE49-F238E27FC236}">
+                <a16:creationId xmlns:a16="http://schemas.microsoft.com/office/drawing/2014/main" id="{CB70384A-0830-488A-A396-352826260578}"/>
+              </a:ext>
+            </a:extLst>
+          </p:cNvPr>
+          <p:cNvSpPr>
+            <a:spLocks noGrp="1"/>
+          </p:cNvSpPr>
+          <p:nvPr>
+            <p:ph idx="1"/>
+          </p:nvPr>
+        </p:nvSpPr>
+        <p:spPr>
+          <a:xfrm>
+            <a:off x="628650" y="1825625"/>
+            <a:ext cx="3971925" cy="4530726"/>
+          </a:xfrm>
+        </p:spPr>
+        <p:txBody>
+          <a:bodyPr/>
+          <a:lstStyle/>
+          <a:p>
+            <a:r>
+              <a:rPr lang="en-SG" dirty="0"/>
+              <a:t>Design a Knight chess piece:</a:t>
+            </a:r>
+          </a:p>
+          <a:p>
+            <a:pPr lvl="1"/>
+            <a:r>
+              <a:rPr lang="en-SG" dirty="0"/>
+              <a:t>Base: 30mm</a:t>
+            </a:r>
+          </a:p>
+          <a:p>
+            <a:pPr lvl="1"/>
+            <a:r>
+              <a:rPr lang="en-SG" dirty="0"/>
+              <a:t>Height: 50mm</a:t>
+            </a:r>
+          </a:p>
+          <a:p>
+            <a:pPr lvl="1"/>
+            <a:r>
+              <a:rPr lang="en-SG" dirty="0"/>
+              <a:t>Head thickness: 5mm</a:t>
+            </a:r>
+          </a:p>
+          <a:p>
+            <a:r>
+              <a:rPr lang="en-SG" dirty="0"/>
+              <a:t>Use a template for the head</a:t>
+            </a:r>
+          </a:p>
+          <a:p>
+            <a:r>
+              <a:rPr lang="en-SG" dirty="0"/>
+              <a:t>The base should be hollow</a:t>
+            </a:r>
+            <a:endParaRPr lang="en-US" dirty="0"/>
+          </a:p>
+        </p:txBody>
+      </p:sp>
+      <p:sp>
+        <p:nvSpPr>
+          <p:cNvPr id="4" name="Slide Number Placeholder 3">
+            <a:extLst>
+              <a:ext uri="{FF2B5EF4-FFF2-40B4-BE49-F238E27FC236}">
+                <a16:creationId xmlns:a16="http://schemas.microsoft.com/office/drawing/2014/main" id="{38A66859-7670-492B-9140-584FD1B5A005}"/>
+              </a:ext>
+            </a:extLst>
+          </p:cNvPr>
+          <p:cNvSpPr>
+            <a:spLocks noGrp="1"/>
+          </p:cNvSpPr>
+          <p:nvPr>
+            <p:ph type="sldNum" sz="quarter" idx="12"/>
+          </p:nvPr>
+        </p:nvSpPr>
+        <p:spPr/>
+        <p:txBody>
+          <a:bodyPr/>
+          <a:lstStyle/>
+          <a:p>
+            <a:fld id="{CAB166B3-F268-4CEF-878A-CFB0D0D505D3}" type="slidenum">
+              <a:rPr lang="en-US" smtClean="0"/>
+              <a:t>10</a:t>
+            </a:fld>
+            <a:endParaRPr lang="en-US" dirty="0"/>
+          </a:p>
+        </p:txBody>
+      </p:sp>
+      <p:pic>
+        <p:nvPicPr>
+          <p:cNvPr id="8" name="Picture 7">
+            <a:extLst>
+              <a:ext uri="{FF2B5EF4-FFF2-40B4-BE49-F238E27FC236}">
+                <a16:creationId xmlns:a16="http://schemas.microsoft.com/office/drawing/2014/main" id="{8112E67C-3F48-4C03-A2F9-53A6C6502899}"/>
+              </a:ext>
+            </a:extLst>
+          </p:cNvPr>
+          <p:cNvPicPr>
+            <a:picLocks noChangeAspect="1"/>
+          </p:cNvPicPr>
+          <p:nvPr/>
+        </p:nvPicPr>
+        <p:blipFill>
+          <a:blip r:embed="rId2"/>
+          <a:stretch>
+            <a:fillRect/>
+          </a:stretch>
+        </p:blipFill>
+        <p:spPr>
+          <a:xfrm>
+            <a:off x="4806723" y="1870077"/>
+            <a:ext cx="3971925" cy="3657600"/>
+          </a:xfrm>
+          <a:prstGeom prst="rect">
+            <a:avLst/>
+          </a:prstGeom>
+        </p:spPr>
+      </p:pic>
+    </p:spTree>
+    <p:extLst>
+      <p:ext uri="{BB962C8B-B14F-4D97-AF65-F5344CB8AC3E}">
+        <p14:creationId xmlns:p14="http://schemas.microsoft.com/office/powerpoint/2010/main" val="435323575"/>
+      </p:ext>
+    </p:extLst>
+  </p:cSld>
+  <p:clrMapOvr>
+    <a:masterClrMapping/>
+  </p:clrMapOvr>
+</p:sld>
+</file>
+
+<file path=ppt/slides/slide11.xml><?xml version="1.0" encoding="utf-8"?>
+<p:sld xmlns:a="http://schemas.openxmlformats.org/drawingml/2006/main" xmlns:r="http://schemas.openxmlformats.org/officeDocument/2006/relationships" xmlns:p="http://schemas.openxmlformats.org/presentationml/2006/main">
+  <p:cSld>
+    <p:spTree>
+      <p:nvGrpSpPr>
+        <p:cNvPr id="1" name=""/>
+        <p:cNvGrpSpPr/>
+        <p:nvPr/>
+      </p:nvGrpSpPr>
+      <p:grpSpPr>
+        <a:xfrm>
+          <a:off x="0" y="0"/>
+          <a:ext cx="0" cy="0"/>
+          <a:chOff x="0" y="0"/>
+          <a:chExt cx="0" cy="0"/>
+        </a:xfrm>
+      </p:grpSpPr>
+      <p:sp>
+        <p:nvSpPr>
+          <p:cNvPr id="2" name="Title 1">
+            <a:extLst>
+              <a:ext uri="{FF2B5EF4-FFF2-40B4-BE49-F238E27FC236}">
+                <a16:creationId xmlns:a16="http://schemas.microsoft.com/office/drawing/2014/main" id="{9C7E9B24-F6F8-45EF-8191-685274E789D1}"/>
+              </a:ext>
+            </a:extLst>
+          </p:cNvPr>
+          <p:cNvSpPr>
+            <a:spLocks noGrp="1"/>
+          </p:cNvSpPr>
+          <p:nvPr>
+            <p:ph type="title"/>
+          </p:nvPr>
+        </p:nvSpPr>
+        <p:spPr/>
+        <p:txBody>
+          <a:bodyPr/>
+          <a:lstStyle/>
+          <a:p>
+            <a:r>
+              <a:rPr lang="en-SG" dirty="0"/>
+              <a:t>Tip: Use a canvas</a:t>
+            </a:r>
+            <a:endParaRPr lang="en-US" dirty="0"/>
+          </a:p>
+        </p:txBody>
+      </p:sp>
+      <p:sp>
+        <p:nvSpPr>
+          <p:cNvPr id="3" name="Content Placeholder 2">
+            <a:extLst>
+              <a:ext uri="{FF2B5EF4-FFF2-40B4-BE49-F238E27FC236}">
+                <a16:creationId xmlns:a16="http://schemas.microsoft.com/office/drawing/2014/main" id="{0357FAF5-4E58-4E83-B3B9-573FA862AC06}"/>
+              </a:ext>
+            </a:extLst>
+          </p:cNvPr>
+          <p:cNvSpPr>
+            <a:spLocks noGrp="1"/>
+          </p:cNvSpPr>
+          <p:nvPr>
+            <p:ph idx="1"/>
+          </p:nvPr>
+        </p:nvSpPr>
+        <p:spPr>
+          <a:xfrm>
+            <a:off x="628650" y="1825625"/>
+            <a:ext cx="4065270" cy="4351338"/>
+          </a:xfrm>
+        </p:spPr>
+        <p:txBody>
+          <a:bodyPr/>
+          <a:lstStyle/>
+          <a:p>
+            <a:r>
+              <a:rPr lang="en-SG" dirty="0"/>
+              <a:t>Let’s cheat and use a template (do a Google search)</a:t>
+            </a:r>
+          </a:p>
+          <a:p>
+            <a:pPr lvl="1"/>
+            <a:r>
+              <a:rPr lang="en-SG" dirty="0"/>
+              <a:t>Insert &gt; Canvas</a:t>
+            </a:r>
+          </a:p>
+          <a:p>
+            <a:pPr lvl="1"/>
+            <a:r>
+              <a:rPr lang="en-SG" dirty="0"/>
+              <a:t>Adjust transparency</a:t>
+            </a:r>
+          </a:p>
+          <a:p>
+            <a:pPr lvl="1"/>
+            <a:r>
+              <a:rPr lang="en-SG" dirty="0"/>
+              <a:t>Adjust position</a:t>
+            </a:r>
+          </a:p>
+          <a:p>
+            <a:pPr lvl="1"/>
+            <a:r>
+              <a:rPr lang="en-SG" dirty="0"/>
+              <a:t>Create Sketch</a:t>
+            </a:r>
+          </a:p>
+          <a:p>
+            <a:pPr lvl="1"/>
+            <a:r>
+              <a:rPr lang="en-SG" dirty="0"/>
+              <a:t>Draw the profile</a:t>
+            </a:r>
+          </a:p>
+          <a:p>
+            <a:pPr lvl="1"/>
+            <a:r>
+              <a:rPr lang="en-SG" dirty="0"/>
+              <a:t>Switch off canvas</a:t>
+            </a:r>
+          </a:p>
+          <a:p>
+            <a:endParaRPr lang="en-US" dirty="0"/>
+          </a:p>
+        </p:txBody>
+      </p:sp>
+      <p:sp>
+        <p:nvSpPr>
+          <p:cNvPr id="4" name="Slide Number Placeholder 3">
+            <a:extLst>
+              <a:ext uri="{FF2B5EF4-FFF2-40B4-BE49-F238E27FC236}">
+                <a16:creationId xmlns:a16="http://schemas.microsoft.com/office/drawing/2014/main" id="{015004DF-8CE9-4AA0-AAC8-0A4C42E919DD}"/>
+              </a:ext>
+            </a:extLst>
+          </p:cNvPr>
+          <p:cNvSpPr>
+            <a:spLocks noGrp="1"/>
+          </p:cNvSpPr>
+          <p:nvPr>
+            <p:ph type="sldNum" sz="quarter" idx="12"/>
+          </p:nvPr>
+        </p:nvSpPr>
+        <p:spPr/>
+        <p:txBody>
+          <a:bodyPr/>
+          <a:lstStyle/>
+          <a:p>
+            <a:fld id="{CAB166B3-F268-4CEF-878A-CFB0D0D505D3}" type="slidenum">
+              <a:rPr lang="en-US" smtClean="0"/>
+              <a:t>11</a:t>
+            </a:fld>
+            <a:endParaRPr lang="en-US"/>
+          </a:p>
+        </p:txBody>
+      </p:sp>
+      <p:pic>
+        <p:nvPicPr>
+          <p:cNvPr id="6" name="Picture 5">
+            <a:extLst>
+              <a:ext uri="{FF2B5EF4-FFF2-40B4-BE49-F238E27FC236}">
+                <a16:creationId xmlns:a16="http://schemas.microsoft.com/office/drawing/2014/main" id="{9007C4C9-F77F-4FBA-BF06-32C90B0D3FC9}"/>
+              </a:ext>
+            </a:extLst>
+          </p:cNvPr>
+          <p:cNvPicPr>
+            <a:picLocks noChangeAspect="1"/>
+          </p:cNvPicPr>
+          <p:nvPr/>
+        </p:nvPicPr>
+        <p:blipFill>
+          <a:blip r:embed="rId2"/>
+          <a:stretch>
+            <a:fillRect/>
+          </a:stretch>
+        </p:blipFill>
+        <p:spPr>
+          <a:xfrm>
+            <a:off x="4693920" y="2732153"/>
+            <a:ext cx="4076700" cy="3314700"/>
+          </a:xfrm>
+          <a:prstGeom prst="rect">
+            <a:avLst/>
+          </a:prstGeom>
+        </p:spPr>
+      </p:pic>
+      <p:pic>
+        <p:nvPicPr>
+          <p:cNvPr id="8" name="Picture 7">
+            <a:extLst>
+              <a:ext uri="{FF2B5EF4-FFF2-40B4-BE49-F238E27FC236}">
+                <a16:creationId xmlns:a16="http://schemas.microsoft.com/office/drawing/2014/main" id="{C02FE80D-6704-40A7-957F-ACB3B8D35479}"/>
+              </a:ext>
+            </a:extLst>
+          </p:cNvPr>
+          <p:cNvPicPr>
+            <a:picLocks noChangeAspect="1"/>
+          </p:cNvPicPr>
+          <p:nvPr/>
+        </p:nvPicPr>
+        <p:blipFill>
+          <a:blip r:embed="rId3"/>
+          <a:stretch>
+            <a:fillRect/>
+          </a:stretch>
+        </p:blipFill>
+        <p:spPr>
+          <a:xfrm>
+            <a:off x="4693920" y="693104"/>
+            <a:ext cx="1571625" cy="1857375"/>
+          </a:xfrm>
+          <a:prstGeom prst="rect">
+            <a:avLst/>
+          </a:prstGeom>
+        </p:spPr>
+      </p:pic>
+    </p:spTree>
+    <p:extLst>
+      <p:ext uri="{BB962C8B-B14F-4D97-AF65-F5344CB8AC3E}">
+        <p14:creationId xmlns:p14="http://schemas.microsoft.com/office/powerpoint/2010/main" val="3394416256"/>
+      </p:ext>
+    </p:extLst>
+  </p:cSld>
+  <p:clrMapOvr>
+    <a:masterClrMapping/>
+  </p:clrMapOvr>
+</p:sld>
+</file>
+
+<file path=ppt/slides/slide12.xml><?xml version="1.0" encoding="utf-8"?>
+<p:sld xmlns:a="http://schemas.openxmlformats.org/drawingml/2006/main" xmlns:r="http://schemas.openxmlformats.org/officeDocument/2006/relationships" xmlns:p="http://schemas.openxmlformats.org/presentationml/2006/main">
+  <p:cSld>
+    <p:spTree>
+      <p:nvGrpSpPr>
+        <p:cNvPr id="1" name=""/>
+        <p:cNvGrpSpPr/>
+        <p:nvPr/>
+      </p:nvGrpSpPr>
+      <p:grpSpPr>
+        <a:xfrm>
+          <a:off x="0" y="0"/>
+          <a:ext cx="0" cy="0"/>
+          <a:chOff x="0" y="0"/>
+          <a:chExt cx="0" cy="0"/>
+        </a:xfrm>
+      </p:grpSpPr>
+      <p:sp>
+        <p:nvSpPr>
+          <p:cNvPr id="2" name="Title 1">
+            <a:extLst>
+              <a:ext uri="{FF2B5EF4-FFF2-40B4-BE49-F238E27FC236}">
+                <a16:creationId xmlns:a16="http://schemas.microsoft.com/office/drawing/2014/main" id="{746A16C3-9DBC-4322-B136-0466854D91D3}"/>
+              </a:ext>
+            </a:extLst>
+          </p:cNvPr>
+          <p:cNvSpPr>
+            <a:spLocks noGrp="1"/>
+          </p:cNvSpPr>
+          <p:nvPr>
+            <p:ph type="title"/>
+          </p:nvPr>
+        </p:nvSpPr>
+        <p:spPr/>
+        <p:txBody>
+          <a:bodyPr/>
+          <a:lstStyle/>
+          <a:p>
+            <a:r>
+              <a:rPr lang="en-SG" dirty="0"/>
+              <a:t>When you have finished…</a:t>
+            </a:r>
+            <a:endParaRPr lang="en-US" dirty="0"/>
+          </a:p>
+        </p:txBody>
+      </p:sp>
+      <p:sp>
+        <p:nvSpPr>
+          <p:cNvPr id="3" name="Content Placeholder 2">
+            <a:extLst>
+              <a:ext uri="{FF2B5EF4-FFF2-40B4-BE49-F238E27FC236}">
+                <a16:creationId xmlns:a16="http://schemas.microsoft.com/office/drawing/2014/main" id="{4DBEBA08-8415-4F03-8EAF-CB5A5EF5FF87}"/>
+              </a:ext>
+            </a:extLst>
+          </p:cNvPr>
+          <p:cNvSpPr>
+            <a:spLocks noGrp="1"/>
+          </p:cNvSpPr>
+          <p:nvPr>
+            <p:ph idx="1"/>
+          </p:nvPr>
+        </p:nvSpPr>
+        <p:spPr/>
+        <p:txBody>
+          <a:bodyPr/>
+          <a:lstStyle/>
+          <a:p>
+            <a:r>
+              <a:rPr lang="en-SG" dirty="0"/>
+              <a:t>Embed your Fusion 360 file in your web page</a:t>
+            </a:r>
+          </a:p>
+          <a:p>
+            <a:r>
+              <a:rPr lang="en-SG" dirty="0"/>
+              <a:t>Ref:</a:t>
+            </a:r>
+          </a:p>
+          <a:p>
+            <a:pPr lvl="1"/>
+            <a:r>
+              <a:rPr lang="en-SG" b="0" i="0" dirty="0">
+                <a:solidFill>
+                  <a:srgbClr val="24292E"/>
+                </a:solidFill>
+                <a:effectLst/>
+                <a:latin typeface="-apple-system"/>
+              </a:rPr>
+              <a:t>Fusion 360 </a:t>
+            </a:r>
+            <a:r>
+              <a:rPr lang="en-SG" b="0" i="0" u="none" strike="noStrike" dirty="0">
+                <a:solidFill>
+                  <a:srgbClr val="0366D6"/>
+                </a:solidFill>
+                <a:effectLst/>
+                <a:latin typeface="-apple-system"/>
+                <a:hlinkClick r:id="rId2"/>
+              </a:rPr>
+              <a:t>How to embed a viewer of a Fusion 360 design into a website</a:t>
+            </a:r>
+            <a:endParaRPr lang="en-SG" dirty="0">
+              <a:solidFill>
+                <a:srgbClr val="0366D6"/>
+              </a:solidFill>
+              <a:latin typeface="-apple-system"/>
+            </a:endParaRPr>
+          </a:p>
+          <a:p>
+            <a:pPr lvl="1"/>
+            <a:r>
+              <a:rPr lang="en-SG" dirty="0">
+                <a:solidFill>
+                  <a:srgbClr val="0366D6"/>
+                </a:solidFill>
+                <a:latin typeface="-apple-system"/>
+              </a:rPr>
+              <a:t>EP1000 Assignment: </a:t>
+            </a:r>
+            <a:r>
+              <a:rPr lang="en-SG" dirty="0">
+                <a:solidFill>
+                  <a:srgbClr val="0366D6"/>
+                </a:solidFill>
+                <a:latin typeface="-apple-system"/>
+                <a:hlinkClick r:id="rId3"/>
+              </a:rPr>
+              <a:t>3D Modelling</a:t>
+            </a:r>
+            <a:endParaRPr lang="en-SG" dirty="0">
+              <a:solidFill>
+                <a:srgbClr val="0366D6"/>
+              </a:solidFill>
+              <a:latin typeface="-apple-system"/>
+            </a:endParaRPr>
+          </a:p>
+          <a:p>
+            <a:r>
+              <a:rPr lang="en-US" dirty="0"/>
+              <a:t>Include this exercise in your documentation, including the steps taken</a:t>
+            </a:r>
+          </a:p>
+        </p:txBody>
+      </p:sp>
+      <p:sp>
+        <p:nvSpPr>
+          <p:cNvPr id="4" name="Slide Number Placeholder 3">
+            <a:extLst>
+              <a:ext uri="{FF2B5EF4-FFF2-40B4-BE49-F238E27FC236}">
+                <a16:creationId xmlns:a16="http://schemas.microsoft.com/office/drawing/2014/main" id="{27E18E34-7C75-4DB4-96E8-33310F543493}"/>
+              </a:ext>
+            </a:extLst>
+          </p:cNvPr>
+          <p:cNvSpPr>
+            <a:spLocks noGrp="1"/>
+          </p:cNvSpPr>
+          <p:nvPr>
+            <p:ph type="sldNum" sz="quarter" idx="12"/>
+          </p:nvPr>
+        </p:nvSpPr>
+        <p:spPr/>
+        <p:txBody>
+          <a:bodyPr/>
+          <a:lstStyle/>
+          <a:p>
+            <a:fld id="{CAB166B3-F268-4CEF-878A-CFB0D0D505D3}" type="slidenum">
+              <a:rPr lang="en-US" smtClean="0"/>
+              <a:t>12</a:t>
+            </a:fld>
+            <a:endParaRPr lang="en-US" dirty="0"/>
+          </a:p>
+        </p:txBody>
+      </p:sp>
+    </p:spTree>
+    <p:extLst>
+      <p:ext uri="{BB962C8B-B14F-4D97-AF65-F5344CB8AC3E}">
+        <p14:creationId xmlns:p14="http://schemas.microsoft.com/office/powerpoint/2010/main" val="4091591541"/>
+      </p:ext>
+    </p:extLst>
+  </p:cSld>
+  <p:clrMapOvr>
+    <a:masterClrMapping/>
+  </p:clrMapOvr>
+</p:sld>
+</file>
+
+<file path=ppt/slides/slide13.xml><?xml version="1.0" encoding="utf-8"?>
+<p:sld xmlns:a="http://schemas.openxmlformats.org/drawingml/2006/main" xmlns:r="http://schemas.openxmlformats.org/officeDocument/2006/relationships" xmlns:p="http://schemas.openxmlformats.org/presentationml/2006/main">
+  <p:cSld>
+    <p:spTree>
+      <p:nvGrpSpPr>
+        <p:cNvPr id="1" name=""/>
+        <p:cNvGrpSpPr/>
+        <p:nvPr/>
+      </p:nvGrpSpPr>
+      <p:grpSpPr>
+        <a:xfrm>
+          <a:off x="0" y="0"/>
+          <a:ext cx="0" cy="0"/>
+          <a:chOff x="0" y="0"/>
+          <a:chExt cx="0" cy="0"/>
+        </a:xfrm>
+      </p:grpSpPr>
+      <p:sp>
+        <p:nvSpPr>
+          <p:cNvPr id="2" name="Title 1">
+            <a:extLst>
+              <a:ext uri="{FF2B5EF4-FFF2-40B4-BE49-F238E27FC236}">
+                <a16:creationId xmlns:a16="http://schemas.microsoft.com/office/drawing/2014/main" id="{7C5A62D5-6D9C-4EE2-BFF4-DFAEF269EB60}"/>
+              </a:ext>
+            </a:extLst>
+          </p:cNvPr>
+          <p:cNvSpPr>
+            <a:spLocks noGrp="1"/>
+          </p:cNvSpPr>
+          <p:nvPr>
+            <p:ph type="title"/>
+          </p:nvPr>
+        </p:nvSpPr>
+        <p:spPr/>
+        <p:txBody>
+          <a:bodyPr/>
+          <a:lstStyle/>
+          <a:p>
+            <a:r>
+              <a:rPr lang="en-SG" dirty="0"/>
+              <a:t>Sculpting</a:t>
+            </a:r>
+            <a:endParaRPr lang="en-US" dirty="0"/>
+          </a:p>
+        </p:txBody>
+      </p:sp>
+      <p:sp>
+        <p:nvSpPr>
+          <p:cNvPr id="3" name="Content Placeholder 2">
+            <a:extLst>
+              <a:ext uri="{FF2B5EF4-FFF2-40B4-BE49-F238E27FC236}">
+                <a16:creationId xmlns:a16="http://schemas.microsoft.com/office/drawing/2014/main" id="{0BB03E7F-0CE3-417A-A5CB-F406891A196C}"/>
+              </a:ext>
+            </a:extLst>
+          </p:cNvPr>
+          <p:cNvSpPr>
+            <a:spLocks noGrp="1"/>
+          </p:cNvSpPr>
+          <p:nvPr>
+            <p:ph idx="1"/>
+          </p:nvPr>
+        </p:nvSpPr>
+        <p:spPr/>
+        <p:txBody>
+          <a:bodyPr/>
+          <a:lstStyle/>
+          <a:p>
+            <a:r>
+              <a:rPr lang="en-SG" dirty="0"/>
+              <a:t>Use a basic 3D shape, break up the shape, manipulate each part.</a:t>
+            </a:r>
+          </a:p>
+          <a:p>
+            <a:r>
+              <a:rPr lang="en-SG" dirty="0"/>
+              <a:t>Like playing with plasticine</a:t>
+            </a:r>
+            <a:endParaRPr lang="en-US" dirty="0"/>
+          </a:p>
+        </p:txBody>
+      </p:sp>
+      <p:sp>
+        <p:nvSpPr>
+          <p:cNvPr id="4" name="Slide Number Placeholder 3">
+            <a:extLst>
+              <a:ext uri="{FF2B5EF4-FFF2-40B4-BE49-F238E27FC236}">
+                <a16:creationId xmlns:a16="http://schemas.microsoft.com/office/drawing/2014/main" id="{8EDA31F4-6D65-480A-B583-0C650826E145}"/>
+              </a:ext>
+            </a:extLst>
+          </p:cNvPr>
+          <p:cNvSpPr>
+            <a:spLocks noGrp="1"/>
+          </p:cNvSpPr>
+          <p:nvPr>
+            <p:ph type="sldNum" sz="quarter" idx="12"/>
+          </p:nvPr>
+        </p:nvSpPr>
+        <p:spPr/>
+        <p:txBody>
+          <a:bodyPr/>
+          <a:lstStyle/>
+          <a:p>
+            <a:fld id="{CAB166B3-F268-4CEF-878A-CFB0D0D505D3}" type="slidenum">
+              <a:rPr lang="en-US" smtClean="0"/>
+              <a:t>13</a:t>
+            </a:fld>
+            <a:endParaRPr lang="en-US"/>
+          </a:p>
+        </p:txBody>
+      </p:sp>
+      <p:pic>
+        <p:nvPicPr>
+          <p:cNvPr id="1026" name="Picture 2">
+            <a:extLst>
+              <a:ext uri="{FF2B5EF4-FFF2-40B4-BE49-F238E27FC236}">
+                <a16:creationId xmlns:a16="http://schemas.microsoft.com/office/drawing/2014/main" id="{6662703C-C4FD-4BAF-9869-87582CE8E71E}"/>
+              </a:ext>
+            </a:extLst>
+          </p:cNvPr>
+          <p:cNvPicPr>
+            <a:picLocks noChangeAspect="1" noChangeArrowheads="1"/>
+          </p:cNvPicPr>
+          <p:nvPr/>
+        </p:nvPicPr>
+        <p:blipFill>
+          <a:blip r:embed="rId2">
+            <a:extLst>
+              <a:ext uri="{28A0092B-C50C-407E-A947-70E740481C1C}">
+                <a14:useLocalDpi xmlns:a14="http://schemas.microsoft.com/office/drawing/2010/main" val="0"/>
+              </a:ext>
+            </a:extLst>
+          </a:blip>
+          <a:srcRect/>
+          <a:stretch>
+            <a:fillRect/>
+          </a:stretch>
+        </p:blipFill>
+        <p:spPr bwMode="auto">
+          <a:xfrm>
+            <a:off x="938784" y="3242694"/>
+            <a:ext cx="6564630" cy="3250180"/>
+          </a:xfrm>
+          <a:prstGeom prst="rect">
+            <a:avLst/>
+          </a:prstGeom>
+          <a:noFill/>
+          <a:extLst>
+            <a:ext uri="{909E8E84-426E-40DD-AFC4-6F175D3DCCD1}">
+              <a14:hiddenFill xmlns:a14="http://schemas.microsoft.com/office/drawing/2010/main">
+                <a:solidFill>
+                  <a:srgbClr val="FFFFFF"/>
+                </a:solidFill>
+              </a14:hiddenFill>
+            </a:ext>
+          </a:extLst>
+        </p:spPr>
+      </p:pic>
+    </p:spTree>
+    <p:extLst>
+      <p:ext uri="{BB962C8B-B14F-4D97-AF65-F5344CB8AC3E}">
+        <p14:creationId xmlns:p14="http://schemas.microsoft.com/office/powerpoint/2010/main" val="723529492"/>
+      </p:ext>
+    </p:extLst>
+  </p:cSld>
+  <p:clrMapOvr>
+    <a:masterClrMapping/>
+  </p:clrMapOvr>
+</p:sld>
+</file>
+
+<file path=ppt/slides/slide14.xml><?xml version="1.0" encoding="utf-8"?>
+<p:sld xmlns:a="http://schemas.openxmlformats.org/drawingml/2006/main" xmlns:r="http://schemas.openxmlformats.org/officeDocument/2006/relationships" xmlns:p="http://schemas.openxmlformats.org/presentationml/2006/main">
+  <p:cSld>
+    <p:spTree>
+      <p:nvGrpSpPr>
+        <p:cNvPr id="1" name=""/>
+        <p:cNvGrpSpPr/>
+        <p:nvPr/>
+      </p:nvGrpSpPr>
+      <p:grpSpPr>
+        <a:xfrm>
+          <a:off x="0" y="0"/>
+          <a:ext cx="0" cy="0"/>
+          <a:chOff x="0" y="0"/>
+          <a:chExt cx="0" cy="0"/>
+        </a:xfrm>
+      </p:grpSpPr>
+      <p:sp>
+        <p:nvSpPr>
+          <p:cNvPr id="2" name="Title 1">
+            <a:extLst>
+              <a:ext uri="{FF2B5EF4-FFF2-40B4-BE49-F238E27FC236}">
+                <a16:creationId xmlns:a16="http://schemas.microsoft.com/office/drawing/2014/main" id="{2CA938CF-3796-4E46-BF97-DA282D3CEF3E}"/>
+              </a:ext>
+            </a:extLst>
+          </p:cNvPr>
+          <p:cNvSpPr>
+            <a:spLocks noGrp="1"/>
+          </p:cNvSpPr>
+          <p:nvPr>
+            <p:ph type="title"/>
+          </p:nvPr>
+        </p:nvSpPr>
+        <p:spPr/>
+        <p:txBody>
+          <a:bodyPr/>
+          <a:lstStyle/>
+          <a:p>
+            <a:r>
+              <a:rPr lang="en-SG" dirty="0"/>
+              <a:t>Sculpting </a:t>
+            </a:r>
+            <a:endParaRPr lang="en-US" dirty="0"/>
+          </a:p>
+        </p:txBody>
+      </p:sp>
+      <p:sp>
+        <p:nvSpPr>
+          <p:cNvPr id="3" name="Content Placeholder 2">
+            <a:extLst>
+              <a:ext uri="{FF2B5EF4-FFF2-40B4-BE49-F238E27FC236}">
+                <a16:creationId xmlns:a16="http://schemas.microsoft.com/office/drawing/2014/main" id="{026096F2-13F8-46B6-88B3-3A2920FC6580}"/>
+              </a:ext>
+            </a:extLst>
+          </p:cNvPr>
+          <p:cNvSpPr>
+            <a:spLocks noGrp="1"/>
+          </p:cNvSpPr>
+          <p:nvPr>
+            <p:ph idx="1"/>
+          </p:nvPr>
+        </p:nvSpPr>
+        <p:spPr>
+          <a:xfrm>
+            <a:off x="628650" y="1825625"/>
+            <a:ext cx="7259574" cy="4351338"/>
+          </a:xfrm>
+        </p:spPr>
+        <p:txBody>
+          <a:bodyPr/>
+          <a:lstStyle/>
+          <a:p>
+            <a:r>
+              <a:rPr lang="en-SG" dirty="0"/>
+              <a:t>Product Design Online Tutorials:</a:t>
+            </a:r>
+          </a:p>
+          <a:p>
+            <a:pPr lvl="1"/>
+            <a:r>
+              <a:rPr lang="en-SG" dirty="0">
+                <a:hlinkClick r:id="rId2"/>
+              </a:rPr>
+              <a:t>How to sculpt an Earbud</a:t>
+            </a:r>
+            <a:endParaRPr lang="en-SG" dirty="0"/>
+          </a:p>
+          <a:p>
+            <a:pPr lvl="1"/>
+            <a:r>
+              <a:rPr lang="en-SG" dirty="0"/>
+              <a:t>Sculpting for plastics parts:</a:t>
+            </a:r>
+            <a:br>
+              <a:rPr lang="en-SG" dirty="0"/>
+            </a:br>
+            <a:r>
+              <a:rPr lang="en-SG" dirty="0">
+                <a:hlinkClick r:id="rId3"/>
+              </a:rPr>
+              <a:t>Part 1</a:t>
+            </a:r>
+            <a:r>
+              <a:rPr lang="en-SG" dirty="0"/>
+              <a:t>, </a:t>
+            </a:r>
+            <a:r>
+              <a:rPr lang="en-SG" dirty="0">
+                <a:hlinkClick r:id="rId4"/>
+              </a:rPr>
+              <a:t>Part 2</a:t>
+            </a:r>
+            <a:endParaRPr lang="en-SG" dirty="0"/>
+          </a:p>
+          <a:p>
+            <a:r>
+              <a:rPr lang="en-SG" dirty="0"/>
+              <a:t>Good for creating objects with no definite shapes</a:t>
+            </a:r>
+          </a:p>
+          <a:p>
+            <a:r>
+              <a:rPr lang="en-SG" dirty="0"/>
+              <a:t>Time consuming</a:t>
+            </a:r>
+          </a:p>
+          <a:p>
+            <a:r>
+              <a:rPr lang="en-SG" dirty="0"/>
+              <a:t>Great Effects</a:t>
+            </a:r>
+            <a:endParaRPr lang="en-US" dirty="0"/>
+          </a:p>
+        </p:txBody>
+      </p:sp>
+      <p:sp>
+        <p:nvSpPr>
+          <p:cNvPr id="4" name="Slide Number Placeholder 3">
+            <a:extLst>
+              <a:ext uri="{FF2B5EF4-FFF2-40B4-BE49-F238E27FC236}">
+                <a16:creationId xmlns:a16="http://schemas.microsoft.com/office/drawing/2014/main" id="{E79197BF-4F7C-4925-9ED4-A898732F2389}"/>
+              </a:ext>
+            </a:extLst>
+          </p:cNvPr>
+          <p:cNvSpPr>
+            <a:spLocks noGrp="1"/>
+          </p:cNvSpPr>
+          <p:nvPr>
+            <p:ph type="sldNum" sz="quarter" idx="12"/>
+          </p:nvPr>
+        </p:nvSpPr>
+        <p:spPr/>
+        <p:txBody>
+          <a:bodyPr/>
+          <a:lstStyle/>
+          <a:p>
+            <a:fld id="{CAB166B3-F268-4CEF-878A-CFB0D0D505D3}" type="slidenum">
+              <a:rPr lang="en-US" smtClean="0"/>
+              <a:t>14</a:t>
+            </a:fld>
+            <a:endParaRPr lang="en-US"/>
+          </a:p>
+        </p:txBody>
+      </p:sp>
+    </p:spTree>
+    <p:extLst>
+      <p:ext uri="{BB962C8B-B14F-4D97-AF65-F5344CB8AC3E}">
+        <p14:creationId xmlns:p14="http://schemas.microsoft.com/office/powerpoint/2010/main" val="1113987686"/>
+      </p:ext>
+    </p:extLst>
+  </p:cSld>
+  <p:clrMapOvr>
+    <a:masterClrMapping/>
+  </p:clrMapOvr>
+</p:sld>
+</file>
+
+<file path=ppt/slides/slide15.xml><?xml version="1.0" encoding="utf-8"?>
+<p:sld xmlns:a="http://schemas.openxmlformats.org/drawingml/2006/main" xmlns:r="http://schemas.openxmlformats.org/officeDocument/2006/relationships" xmlns:p="http://schemas.openxmlformats.org/presentationml/2006/main">
+  <p:cSld>
+    <p:spTree>
+      <p:nvGrpSpPr>
+        <p:cNvPr id="1" name=""/>
+        <p:cNvGrpSpPr/>
+        <p:nvPr/>
+      </p:nvGrpSpPr>
+      <p:grpSpPr>
+        <a:xfrm>
+          <a:off x="0" y="0"/>
+          <a:ext cx="0" cy="0"/>
+          <a:chOff x="0" y="0"/>
+          <a:chExt cx="0" cy="0"/>
+        </a:xfrm>
+      </p:grpSpPr>
+      <p:sp>
+        <p:nvSpPr>
+          <p:cNvPr id="2" name="Title 1">
+            <a:extLst>
+              <a:ext uri="{FF2B5EF4-FFF2-40B4-BE49-F238E27FC236}">
+                <a16:creationId xmlns:a16="http://schemas.microsoft.com/office/drawing/2014/main" id="{29757EC0-C4C7-4C21-8BBD-162462AD095F}"/>
+              </a:ext>
+            </a:extLst>
+          </p:cNvPr>
+          <p:cNvSpPr>
+            <a:spLocks noGrp="1"/>
+          </p:cNvSpPr>
+          <p:nvPr>
+            <p:ph type="ctrTitle"/>
+          </p:nvPr>
+        </p:nvSpPr>
+        <p:spPr/>
+        <p:txBody>
+          <a:bodyPr/>
+          <a:lstStyle/>
+          <a:p>
+            <a:r>
+              <a:rPr lang="en-US" dirty="0"/>
+              <a:t>EP1000</a:t>
+            </a:r>
+          </a:p>
+        </p:txBody>
+      </p:sp>
+      <p:sp>
+        <p:nvSpPr>
+          <p:cNvPr id="3" name="Subtitle 2">
+            <a:extLst>
+              <a:ext uri="{FF2B5EF4-FFF2-40B4-BE49-F238E27FC236}">
+                <a16:creationId xmlns:a16="http://schemas.microsoft.com/office/drawing/2014/main" id="{1F579C3D-8773-4BAF-B0E2-847945ECA23E}"/>
+              </a:ext>
+            </a:extLst>
+          </p:cNvPr>
+          <p:cNvSpPr>
+            <a:spLocks noGrp="1"/>
+          </p:cNvSpPr>
+          <p:nvPr>
+            <p:ph type="subTitle" idx="1"/>
+          </p:nvPr>
+        </p:nvSpPr>
+        <p:spPr/>
+        <p:txBody>
+          <a:bodyPr/>
+          <a:lstStyle/>
+          <a:p>
+            <a:r>
+              <a:rPr lang="en-US" dirty="0"/>
+              <a:t>3D Models - 2</a:t>
+            </a:r>
+          </a:p>
+          <a:p>
+            <a:r>
+              <a:rPr lang="en-US" dirty="0">
+                <a:solidFill>
+                  <a:srgbClr val="FF0000"/>
+                </a:solidFill>
+              </a:rPr>
+              <a:t>End</a:t>
+            </a:r>
+          </a:p>
+        </p:txBody>
+      </p:sp>
+    </p:spTree>
+    <p:extLst>
+      <p:ext uri="{BB962C8B-B14F-4D97-AF65-F5344CB8AC3E}">
+        <p14:creationId xmlns:p14="http://schemas.microsoft.com/office/powerpoint/2010/main" val="2293809126"/>
+      </p:ext>
+    </p:extLst>
+  </p:cSld>
+  <p:clrMapOvr>
+    <a:masterClrMapping/>
+  </p:clrMapOvr>
 </p:sld>
 </file>
 
@@ -3766,13 +4801,6 @@
   <p:clrMapOvr>
     <a:masterClrMapping/>
   </p:clrMapOvr>
-  <p:timing>
-    <p:tnLst>
-      <p:par>
-        <p:cTn id="1" dur="indefinite" restart="never" nodeType="tmRoot"/>
-      </p:par>
-    </p:tnLst>
-  </p:timing>
 </p:sld>
 </file>
 
@@ -3815,10 +4843,9 @@
           <a:lstStyle/>
           <a:p>
             <a:r>
-              <a:rPr lang="en-US" dirty="0" smtClean="0"/>
+              <a:rPr lang="en-US" dirty="0"/>
               <a:t>Create &gt; Revolve</a:t>
             </a:r>
-            <a:endParaRPr lang="en-US" dirty="0"/>
           </a:p>
         </p:txBody>
       </p:sp>
@@ -3855,24 +4882,23 @@
           </a:p>
           <a:p>
             <a:r>
-              <a:rPr lang="en-US" sz="1800" dirty="0" smtClean="0"/>
+              <a:rPr lang="en-US" sz="1800" dirty="0"/>
               <a:t>Create &gt; Revolution</a:t>
             </a:r>
           </a:p>
           <a:p>
             <a:pPr lvl="1"/>
             <a:r>
-              <a:rPr lang="en-US" sz="1400" dirty="0" smtClean="0"/>
+              <a:rPr lang="en-US" sz="1400" dirty="0"/>
               <a:t>Select the axis of revolution</a:t>
             </a:r>
           </a:p>
           <a:p>
             <a:pPr lvl="1"/>
             <a:r>
-              <a:rPr lang="en-US" sz="1400" dirty="0" smtClean="0"/>
+              <a:rPr lang="en-US" sz="1400" dirty="0"/>
               <a:t>Select the angle to revolve</a:t>
             </a:r>
-            <a:endParaRPr lang="en-US" sz="1400" dirty="0"/>
           </a:p>
         </p:txBody>
       </p:sp>
@@ -3939,13 +4965,6 @@
   <p:clrMapOvr>
     <a:masterClrMapping/>
   </p:clrMapOvr>
-  <p:timing>
-    <p:tnLst>
-      <p:par>
-        <p:cTn id="1" dur="indefinite" restart="never" nodeType="tmRoot"/>
-      </p:par>
-    </p:tnLst>
-  </p:timing>
 </p:sld>
 </file>
 
@@ -4012,7 +5031,7 @@
           <a:lstStyle/>
           <a:p>
             <a:r>
-              <a:rPr lang="en-SG" dirty="0" smtClean="0"/>
+              <a:rPr lang="en-SG" dirty="0"/>
               <a:t>Create &gt; Revolve</a:t>
             </a:r>
             <a:endParaRPr lang="en-US" dirty="0"/>
@@ -4046,31 +5065,31 @@
           <a:lstStyle/>
           <a:p>
             <a:r>
-              <a:rPr lang="en-SG" sz="2400" dirty="0" smtClean="0"/>
+              <a:rPr lang="en-SG" sz="2400" dirty="0"/>
               <a:t>Revolve used for</a:t>
             </a:r>
           </a:p>
           <a:p>
             <a:pPr lvl="1"/>
             <a:r>
-              <a:rPr lang="en-SG" sz="2000" dirty="0" smtClean="0"/>
+              <a:rPr lang="en-SG" sz="2000" dirty="0"/>
               <a:t>Uniform objects revolved about an axis</a:t>
             </a:r>
           </a:p>
           <a:p>
             <a:pPr lvl="1"/>
             <a:r>
-              <a:rPr lang="en-SG" sz="2000" dirty="0" smtClean="0"/>
+              <a:rPr lang="en-SG" sz="2000" dirty="0"/>
               <a:t>Creates objects not possible with Extrude</a:t>
             </a:r>
           </a:p>
           <a:p>
             <a:r>
-              <a:rPr lang="en-SG" sz="2400" dirty="0" smtClean="0"/>
+              <a:rPr lang="en-SG" sz="2400" dirty="0"/>
               <a:t>What </a:t>
             </a:r>
             <a:r>
-              <a:rPr lang="en-SG" sz="2400" dirty="0" smtClean="0">
+              <a:rPr lang="en-SG" sz="2400" dirty="0">
                 <a:solidFill>
                   <a:srgbClr val="FF0000"/>
                 </a:solidFill>
@@ -4078,7 +5097,7 @@
               <a:t>profiles</a:t>
             </a:r>
             <a:r>
-              <a:rPr lang="en-SG" sz="2400" dirty="0" smtClean="0"/>
+              <a:rPr lang="en-SG" sz="2400" dirty="0"/>
               <a:t> were used to create these objects?</a:t>
             </a:r>
             <a:endParaRPr lang="en-US" sz="2400" dirty="0"/>
@@ -4124,13 +5143,6 @@
   <p:clrMapOvr>
     <a:masterClrMapping/>
   </p:clrMapOvr>
-  <p:timing>
-    <p:tnLst>
-      <p:par>
-        <p:cTn id="1" dur="indefinite" restart="never" nodeType="tmRoot"/>
-      </p:par>
-    </p:tnLst>
-  </p:timing>
 </p:sld>
 </file>
 
@@ -4173,7 +5185,7 @@
           <a:lstStyle/>
           <a:p>
             <a:r>
-              <a:rPr lang="en-SG" dirty="0" smtClean="0"/>
+              <a:rPr lang="en-SG" dirty="0"/>
               <a:t>Revolve using Arc profiles</a:t>
             </a:r>
             <a:endParaRPr lang="en-US" dirty="0"/>
@@ -4208,25 +5220,14 @@
           <a:p>
             <a:r>
               <a:rPr lang="en-SG" sz="2400" dirty="0"/>
-              <a:t>You can </a:t>
-            </a:r>
-            <a:r>
-              <a:rPr lang="en-SG" sz="2400" dirty="0" smtClean="0"/>
-              <a:t>create bottle objects using arc profiles.</a:t>
-            </a:r>
-          </a:p>
-          <a:p>
-            <a:r>
-              <a:rPr lang="en-SG" sz="2400" dirty="0" smtClean="0"/>
+              <a:t>You can create bottle objects using arc profiles.</a:t>
+            </a:r>
+          </a:p>
+          <a:p>
+            <a:r>
+              <a:rPr lang="en-SG" sz="2400" dirty="0"/>
               <a:t>You can also use the revolve command to cut parts which you do not need.</a:t>
             </a:r>
-          </a:p>
-          <a:p>
-            <a:r>
-              <a:rPr lang="en-SG" sz="2400" dirty="0" smtClean="0"/>
-              <a:t>E.g. Hex nut</a:t>
-            </a:r>
-            <a:endParaRPr lang="en-US" sz="2400" dirty="0"/>
           </a:p>
         </p:txBody>
       </p:sp>
@@ -4293,13 +5294,6 @@
   <p:clrMapOvr>
     <a:masterClrMapping/>
   </p:clrMapOvr>
-  <p:timing>
-    <p:tnLst>
-      <p:par>
-        <p:cTn id="1" dur="indefinite" restart="never" nodeType="tmRoot"/>
-      </p:par>
-    </p:tnLst>
-  </p:timing>
 </p:sld>
 </file>
 
@@ -4343,7 +5337,7 @@
           <a:p>
             <a:r>
               <a:rPr lang="en-SG" dirty="0"/>
-              <a:t>Exercise 1: Name Tag</a:t>
+              <a:t>Exercise 1: Mug with Handle</a:t>
             </a:r>
             <a:endParaRPr lang="en-US" dirty="0"/>
           </a:p>
@@ -4368,7 +5362,7 @@
         <p:spPr>
           <a:xfrm>
             <a:off x="628650" y="1825625"/>
-            <a:ext cx="3541014" cy="4351338"/>
+            <a:ext cx="4077462" cy="4351338"/>
           </a:xfrm>
         </p:spPr>
         <p:txBody>
@@ -4377,44 +5371,49 @@
           <a:p>
             <a:r>
               <a:rPr lang="en-SG" sz="2400" dirty="0"/>
-              <a:t>Let's make a name tag</a:t>
+              <a:t>Let's make a mug with a handle</a:t>
             </a:r>
           </a:p>
           <a:p>
             <a:pPr lvl="1"/>
             <a:r>
               <a:rPr lang="en-SG" sz="2000" dirty="0"/>
-              <a:t>dimensions: 30mm x 70mm x 4 mm </a:t>
+              <a:t>dimensions: 50mm (diameter), 80mm (height)</a:t>
             </a:r>
           </a:p>
           <a:p>
             <a:pPr lvl="1"/>
             <a:r>
               <a:rPr lang="en-SG" sz="2000" dirty="0"/>
-              <a:t>rim of 1.5mm thickness around the edges, height 2.5mm</a:t>
+              <a:t>Include an arc at the base of the mug</a:t>
             </a:r>
           </a:p>
           <a:p>
             <a:pPr lvl="1"/>
             <a:r>
               <a:rPr lang="en-SG" sz="2000" dirty="0"/>
-              <a:t>key-ring hole of 4mm, re-enforced with 1.5mm rim</a:t>
+              <a:t>let the mug’s thickness be about 2.5mm</a:t>
             </a:r>
           </a:p>
           <a:p>
             <a:pPr lvl="1"/>
             <a:r>
               <a:rPr lang="en-SG" sz="2000" dirty="0"/>
-              <a:t>name or design/pattern 0.5mm below surface</a:t>
-            </a:r>
-          </a:p>
-          <a:p>
-            <a:pPr lvl="1"/>
-            <a:r>
-              <a:rPr lang="en-SG" sz="2000" dirty="0"/>
-              <a:t>base of name tag 1.5mm thick</a:t>
-            </a:r>
-            <a:endParaRPr lang="en-US" sz="2000" dirty="0"/>
+              <a:t>add a handle (ear) of thickness 6mm of your choice</a:t>
+            </a:r>
+          </a:p>
+          <a:p>
+            <a:r>
+              <a:rPr lang="en-SG" sz="2400" dirty="0"/>
+              <a:t>Go wild with your design!</a:t>
+            </a:r>
+            <a:br>
+              <a:rPr lang="en-SG" sz="2400" dirty="0"/>
+            </a:br>
+            <a:r>
+              <a:rPr lang="en-SG" sz="2400" dirty="0"/>
+              <a:t>It’s just an exercise on using the revolve and extrude functions.</a:t>
+            </a:r>
           </a:p>
         </p:txBody>
       </p:sp>
@@ -4449,10 +5448,10 @@
       </p:sp>
       <p:pic>
         <p:nvPicPr>
-          <p:cNvPr id="6" name="Picture 5" descr="A picture containing engineering drawing&#10;&#10;Description automatically generated">
+          <p:cNvPr id="7" name="Picture 6">
             <a:extLst>
               <a:ext uri="{FF2B5EF4-FFF2-40B4-BE49-F238E27FC236}">
-                <a16:creationId xmlns:a16="http://schemas.microsoft.com/office/drawing/2014/main" id="{A2E486FE-0165-442C-98E9-2069CA879277}"/>
+                <a16:creationId xmlns:a16="http://schemas.microsoft.com/office/drawing/2014/main" id="{4D55AAA4-502E-41F6-9CEC-1AF9529C9C62}"/>
               </a:ext>
             </a:extLst>
           </p:cNvPr>
@@ -4462,21 +5461,15 @@
           <p:nvPr/>
         </p:nvPicPr>
         <p:blipFill>
-          <a:blip r:embed="rId2">
-            <a:extLst>
-              <a:ext uri="{28A0092B-C50C-407E-A947-70E740481C1C}">
-                <a14:useLocalDpi xmlns:a14="http://schemas.microsoft.com/office/drawing/2010/main" val="0"/>
-              </a:ext>
-            </a:extLst>
-          </a:blip>
+          <a:blip r:embed="rId2"/>
           <a:stretch>
             <a:fillRect/>
           </a:stretch>
         </p:blipFill>
         <p:spPr>
           <a:xfrm>
-            <a:off x="4255770" y="1916811"/>
-            <a:ext cx="4533900" cy="3219450"/>
+            <a:off x="4886325" y="1825625"/>
+            <a:ext cx="3629025" cy="3771900"/>
           </a:xfrm>
           <a:prstGeom prst="rect">
             <a:avLst/>
@@ -4493,13 +5486,6 @@
   <p:clrMapOvr>
     <a:masterClrMapping/>
   </p:clrMapOvr>
-  <p:timing>
-    <p:tnLst>
-      <p:par>
-        <p:cTn id="1" dur="indefinite" restart="never" nodeType="tmRoot"/>
-      </p:par>
-    </p:tnLst>
-  </p:timing>
 </p:sld>
 </file>
 
@@ -4525,7 +5511,7 @@
           <p:cNvPr id="2" name="Title 1">
             <a:extLst>
               <a:ext uri="{FF2B5EF4-FFF2-40B4-BE49-F238E27FC236}">
-                <a16:creationId xmlns:a16="http://schemas.microsoft.com/office/drawing/2014/main" id="{AC6074D9-B606-4FA1-AB0C-C02ABC9C5E1D}"/>
+                <a16:creationId xmlns:a16="http://schemas.microsoft.com/office/drawing/2014/main" id="{CF88E868-AC27-420F-8DC2-B589652F1397}"/>
               </a:ext>
             </a:extLst>
           </p:cNvPr>
@@ -4543,11 +5529,7 @@
           <a:p>
             <a:r>
               <a:rPr lang="en-SG" dirty="0"/>
-              <a:t>Exercise 2: </a:t>
-            </a:r>
-            <a:r>
-              <a:rPr lang="en-SG" dirty="0" smtClean="0"/>
-              <a:t>How to model a Hex Nut</a:t>
+              <a:t>Tip 1:</a:t>
             </a:r>
             <a:endParaRPr lang="en-US" dirty="0"/>
           </a:p>
@@ -4558,7 +5540,7 @@
           <p:cNvPr id="3" name="Content Placeholder 2">
             <a:extLst>
               <a:ext uri="{FF2B5EF4-FFF2-40B4-BE49-F238E27FC236}">
-                <a16:creationId xmlns:a16="http://schemas.microsoft.com/office/drawing/2014/main" id="{13487D13-6A6F-4FDD-97BE-8253E4C1C5B6}"/>
+                <a16:creationId xmlns:a16="http://schemas.microsoft.com/office/drawing/2014/main" id="{DEAB7BAF-DE56-4C97-A3C1-3B349E4E02A3}"/>
               </a:ext>
             </a:extLst>
           </p:cNvPr>
@@ -4571,52 +5553,29 @@
         </p:nvSpPr>
         <p:spPr>
           <a:xfrm>
-            <a:off x="628650" y="1690689"/>
-            <a:ext cx="7886700" cy="1081694"/>
-          </a:xfrm>
-        </p:spPr>
-        <p:txBody>
-          <a:bodyPr/>
-          <a:lstStyle/>
-          <a:p>
-            <a:r>
-              <a:rPr lang="en-SG" sz="2000" dirty="0"/>
-              <a:t>This is Kevin Kennedy’s video tutorial </a:t>
-            </a:r>
-            <a:r>
-              <a:rPr lang="en-SG" sz="2000" dirty="0" smtClean="0"/>
-              <a:t> on </a:t>
-            </a:r>
-            <a:r>
-              <a:rPr lang="en-SG" sz="2000" dirty="0"/>
-              <a:t>the </a:t>
-            </a:r>
-            <a:r>
-              <a:rPr lang="en-SG" sz="2000" dirty="0" smtClean="0"/>
-              <a:t>modelling of a hex </a:t>
-            </a:r>
-            <a:r>
-              <a:rPr lang="en-SG" sz="2000" dirty="0"/>
-              <a:t>nut: </a:t>
-            </a:r>
-            <a:r>
-              <a:rPr lang="en-SG" sz="2000" dirty="0">
-                <a:hlinkClick r:id="rId2"/>
-              </a:rPr>
-              <a:t>https://</a:t>
-            </a:r>
-            <a:r>
-              <a:rPr lang="en-SG" sz="2000" dirty="0" smtClean="0">
-                <a:hlinkClick r:id="rId2"/>
-              </a:rPr>
-              <a:t>youtu.be/Xho87HJ-XDo</a:t>
-            </a:r>
-            <a:endParaRPr lang="en-SG" sz="2000" dirty="0"/>
-          </a:p>
-          <a:p>
-            <a:r>
-              <a:rPr lang="en-SG" sz="2000" dirty="0" smtClean="0"/>
-              <a:t>A useful tutorial should you need to create odd-sized fasteners.</a:t>
+            <a:off x="628649" y="1825625"/>
+            <a:ext cx="4416315" cy="4530726"/>
+          </a:xfrm>
+        </p:spPr>
+        <p:txBody>
+          <a:bodyPr/>
+          <a:lstStyle/>
+          <a:p>
+            <a:r>
+              <a:rPr lang="en-SG" dirty="0"/>
+              <a:t>You can use the profile as a guide.</a:t>
+            </a:r>
+          </a:p>
+          <a:p>
+            <a:r>
+              <a:rPr lang="en-SG" dirty="0"/>
+              <a:t>Make sure you have a closed profile before you revolve.</a:t>
+            </a:r>
+          </a:p>
+          <a:p>
+            <a:r>
+              <a:rPr lang="en-SG" dirty="0"/>
+              <a:t>Also, ensure that you do NOT overlap across the axis</a:t>
             </a:r>
           </a:p>
         </p:txBody>
@@ -4626,7 +5585,7 @@
           <p:cNvPr id="4" name="Slide Number Placeholder 3">
             <a:extLst>
               <a:ext uri="{FF2B5EF4-FFF2-40B4-BE49-F238E27FC236}">
-                <a16:creationId xmlns:a16="http://schemas.microsoft.com/office/drawing/2014/main" id="{9F42A95C-6FB4-4DDC-A1A8-F09F8BDC1144}"/>
+                <a16:creationId xmlns:a16="http://schemas.microsoft.com/office/drawing/2014/main" id="{7ED17C63-1010-4FF0-9F64-E13E0BCD74F9}"/>
               </a:ext>
             </a:extLst>
           </p:cNvPr>
@@ -4652,8 +5611,12 @@
       </p:sp>
       <p:pic>
         <p:nvPicPr>
-          <p:cNvPr id="7" name="Picture 6">
-            <a:hlinkClick r:id="rId2"/>
+          <p:cNvPr id="6" name="Picture 5">
+            <a:extLst>
+              <a:ext uri="{FF2B5EF4-FFF2-40B4-BE49-F238E27FC236}">
+                <a16:creationId xmlns:a16="http://schemas.microsoft.com/office/drawing/2014/main" id="{D84A175C-9394-4ED7-B2D6-11EAC00DC971}"/>
+              </a:ext>
+            </a:extLst>
           </p:cNvPr>
           <p:cNvPicPr>
             <a:picLocks noChangeAspect="1"/>
@@ -4661,15 +5624,15 @@
           <p:nvPr/>
         </p:nvPicPr>
         <p:blipFill>
-          <a:blip r:embed="rId3"/>
+          <a:blip r:embed="rId2"/>
           <a:stretch>
             <a:fillRect/>
           </a:stretch>
         </p:blipFill>
         <p:spPr>
           <a:xfrm>
-            <a:off x="969219" y="2909481"/>
-            <a:ext cx="5610225" cy="3743325"/>
+            <a:off x="5193793" y="1190817"/>
+            <a:ext cx="3470386" cy="4907824"/>
           </a:xfrm>
           <a:prstGeom prst="rect">
             <a:avLst/>
@@ -4679,20 +5642,13 @@
     </p:spTree>
     <p:extLst>
       <p:ext uri="{BB962C8B-B14F-4D97-AF65-F5344CB8AC3E}">
-        <p14:creationId xmlns:p14="http://schemas.microsoft.com/office/powerpoint/2010/main" val="3803812018"/>
+        <p14:creationId xmlns:p14="http://schemas.microsoft.com/office/powerpoint/2010/main" val="1740315555"/>
       </p:ext>
     </p:extLst>
   </p:cSld>
   <p:clrMapOvr>
     <a:masterClrMapping/>
   </p:clrMapOvr>
-  <p:timing>
-    <p:tnLst>
-      <p:par>
-        <p:cTn id="1" dur="indefinite" restart="never" nodeType="tmRoot"/>
-      </p:par>
-    </p:tnLst>
-  </p:timing>
 </p:sld>
 </file>
 
@@ -4718,7 +5674,7 @@
           <p:cNvPr id="2" name="Title 1">
             <a:extLst>
               <a:ext uri="{FF2B5EF4-FFF2-40B4-BE49-F238E27FC236}">
-                <a16:creationId xmlns:a16="http://schemas.microsoft.com/office/drawing/2014/main" id="{29757EC0-C4C7-4C21-8BBD-162462AD095F}"/>
+                <a16:creationId xmlns:a16="http://schemas.microsoft.com/office/drawing/2014/main" id="{CF88E868-AC27-420F-8DC2-B589652F1397}"/>
               </a:ext>
             </a:extLst>
           </p:cNvPr>
@@ -4726,7 +5682,7 @@
             <a:spLocks noGrp="1"/>
           </p:cNvSpPr>
           <p:nvPr>
-            <p:ph type="ctrTitle"/>
+            <p:ph type="title"/>
           </p:nvPr>
         </p:nvSpPr>
         <p:spPr/>
@@ -4735,18 +5691,19 @@
           <a:lstStyle/>
           <a:p>
             <a:r>
-              <a:rPr lang="en-US" dirty="0"/>
-              <a:t>EP1000</a:t>
-            </a:r>
-          </a:p>
-        </p:txBody>
-      </p:sp>
-      <p:sp>
-        <p:nvSpPr>
-          <p:cNvPr id="3" name="Subtitle 2">
+              <a:rPr lang="en-SG" dirty="0"/>
+              <a:t>Tip 2:</a:t>
+            </a:r>
+            <a:endParaRPr lang="en-US" dirty="0"/>
+          </a:p>
+        </p:txBody>
+      </p:sp>
+      <p:sp>
+        <p:nvSpPr>
+          <p:cNvPr id="3" name="Content Placeholder 2">
             <a:extLst>
               <a:ext uri="{FF2B5EF4-FFF2-40B4-BE49-F238E27FC236}">
-                <a16:creationId xmlns:a16="http://schemas.microsoft.com/office/drawing/2014/main" id="{1F579C3D-8773-4BAF-B0E2-847945ECA23E}"/>
+                <a16:creationId xmlns:a16="http://schemas.microsoft.com/office/drawing/2014/main" id="{DEAB7BAF-DE56-4C97-A3C1-3B349E4E02A3}"/>
               </a:ext>
             </a:extLst>
           </p:cNvPr>
@@ -4754,7 +5711,47 @@
             <a:spLocks noGrp="1"/>
           </p:cNvSpPr>
           <p:nvPr>
-            <p:ph type="subTitle" idx="1"/>
+            <p:ph idx="1"/>
+          </p:nvPr>
+        </p:nvSpPr>
+        <p:spPr>
+          <a:xfrm>
+            <a:off x="628650" y="1825624"/>
+            <a:ext cx="3735844" cy="4667249"/>
+          </a:xfrm>
+        </p:spPr>
+        <p:txBody>
+          <a:bodyPr/>
+          <a:lstStyle/>
+          <a:p>
+            <a:r>
+              <a:rPr lang="en-SG" dirty="0"/>
+              <a:t>Create the handle on the mid-plane.</a:t>
+            </a:r>
+          </a:p>
+          <a:p>
+            <a:r>
+              <a:rPr lang="en-SG" dirty="0"/>
+              <a:t>Project the mug onto the plane to get the intersect points.</a:t>
+            </a:r>
+            <a:endParaRPr lang="en-US" dirty="0"/>
+          </a:p>
+        </p:txBody>
+      </p:sp>
+      <p:sp>
+        <p:nvSpPr>
+          <p:cNvPr id="4" name="Slide Number Placeholder 3">
+            <a:extLst>
+              <a:ext uri="{FF2B5EF4-FFF2-40B4-BE49-F238E27FC236}">
+                <a16:creationId xmlns:a16="http://schemas.microsoft.com/office/drawing/2014/main" id="{7ED17C63-1010-4FF0-9F64-E13E0BCD74F9}"/>
+              </a:ext>
+            </a:extLst>
+          </p:cNvPr>
+          <p:cNvSpPr>
+            <a:spLocks noGrp="1"/>
+          </p:cNvSpPr>
+          <p:nvPr>
+            <p:ph type="sldNum" sz="quarter" idx="12"/>
           </p:nvPr>
         </p:nvSpPr>
         <p:spPr/>
@@ -4762,45 +5759,214 @@
           <a:bodyPr/>
           <a:lstStyle/>
           <a:p>
-            <a:r>
-              <a:rPr lang="en-US" dirty="0"/>
-              <a:t>3D </a:t>
-            </a:r>
-            <a:r>
-              <a:rPr lang="en-US" dirty="0" smtClean="0"/>
-              <a:t>Models - 2</a:t>
-            </a:r>
-            <a:endParaRPr lang="en-US" dirty="0"/>
-          </a:p>
-          <a:p>
-            <a:r>
-              <a:rPr lang="en-US" dirty="0">
-                <a:solidFill>
-                  <a:srgbClr val="FF0000"/>
-                </a:solidFill>
-              </a:rPr>
-              <a:t>End</a:t>
-            </a:r>
-          </a:p>
-        </p:txBody>
-      </p:sp>
+            <a:fld id="{CAB166B3-F268-4CEF-878A-CFB0D0D505D3}" type="slidenum">
+              <a:rPr lang="en-US" smtClean="0"/>
+              <a:t>8</a:t>
+            </a:fld>
+            <a:endParaRPr lang="en-US"/>
+          </a:p>
+        </p:txBody>
+      </p:sp>
+      <p:pic>
+        <p:nvPicPr>
+          <p:cNvPr id="9" name="Picture 8">
+            <a:extLst>
+              <a:ext uri="{FF2B5EF4-FFF2-40B4-BE49-F238E27FC236}">
+                <a16:creationId xmlns:a16="http://schemas.microsoft.com/office/drawing/2014/main" id="{6A2B3EA8-108A-4A5F-8FC4-A0A5B58B5B5F}"/>
+              </a:ext>
+            </a:extLst>
+          </p:cNvPr>
+          <p:cNvPicPr>
+            <a:picLocks noChangeAspect="1"/>
+          </p:cNvPicPr>
+          <p:nvPr/>
+        </p:nvPicPr>
+        <p:blipFill>
+          <a:blip r:embed="rId2"/>
+          <a:stretch>
+            <a:fillRect/>
+          </a:stretch>
+        </p:blipFill>
+        <p:spPr>
+          <a:xfrm>
+            <a:off x="4572000" y="1317511"/>
+            <a:ext cx="4117731" cy="4222977"/>
+          </a:xfrm>
+          <a:prstGeom prst="rect">
+            <a:avLst/>
+          </a:prstGeom>
+        </p:spPr>
+      </p:pic>
     </p:spTree>
     <p:extLst>
       <p:ext uri="{BB962C8B-B14F-4D97-AF65-F5344CB8AC3E}">
-        <p14:creationId xmlns:p14="http://schemas.microsoft.com/office/powerpoint/2010/main" val="2293809126"/>
+        <p14:creationId xmlns:p14="http://schemas.microsoft.com/office/powerpoint/2010/main" val="2601079854"/>
       </p:ext>
     </p:extLst>
   </p:cSld>
   <p:clrMapOvr>
     <a:masterClrMapping/>
   </p:clrMapOvr>
-  <p:timing>
-    <p:tnLst>
-      <p:par>
-        <p:cTn id="1" dur="indefinite" restart="never" nodeType="tmRoot"/>
-      </p:par>
-    </p:tnLst>
-  </p:timing>
+</p:sld>
+</file>
+
+<file path=ppt/slides/slide9.xml><?xml version="1.0" encoding="utf-8"?>
+<p:sld xmlns:a="http://schemas.openxmlformats.org/drawingml/2006/main" xmlns:r="http://schemas.openxmlformats.org/officeDocument/2006/relationships" xmlns:p="http://schemas.openxmlformats.org/presentationml/2006/main">
+  <p:cSld>
+    <p:spTree>
+      <p:nvGrpSpPr>
+        <p:cNvPr id="1" name=""/>
+        <p:cNvGrpSpPr/>
+        <p:nvPr/>
+      </p:nvGrpSpPr>
+      <p:grpSpPr>
+        <a:xfrm>
+          <a:off x="0" y="0"/>
+          <a:ext cx="0" cy="0"/>
+          <a:chOff x="0" y="0"/>
+          <a:chExt cx="0" cy="0"/>
+        </a:xfrm>
+      </p:grpSpPr>
+      <p:sp>
+        <p:nvSpPr>
+          <p:cNvPr id="2" name="Title 1">
+            <a:extLst>
+              <a:ext uri="{FF2B5EF4-FFF2-40B4-BE49-F238E27FC236}">
+                <a16:creationId xmlns:a16="http://schemas.microsoft.com/office/drawing/2014/main" id="{AC6074D9-B606-4FA1-AB0C-C02ABC9C5E1D}"/>
+              </a:ext>
+            </a:extLst>
+          </p:cNvPr>
+          <p:cNvSpPr>
+            <a:spLocks noGrp="1"/>
+          </p:cNvSpPr>
+          <p:nvPr>
+            <p:ph type="title"/>
+          </p:nvPr>
+        </p:nvSpPr>
+        <p:spPr/>
+        <p:txBody>
+          <a:bodyPr/>
+          <a:lstStyle/>
+          <a:p>
+            <a:r>
+              <a:rPr lang="en-SG" dirty="0"/>
+              <a:t>Exercise 2: How to model a Hex Nut</a:t>
+            </a:r>
+            <a:endParaRPr lang="en-US" dirty="0"/>
+          </a:p>
+        </p:txBody>
+      </p:sp>
+      <p:sp>
+        <p:nvSpPr>
+          <p:cNvPr id="3" name="Content Placeholder 2">
+            <a:extLst>
+              <a:ext uri="{FF2B5EF4-FFF2-40B4-BE49-F238E27FC236}">
+                <a16:creationId xmlns:a16="http://schemas.microsoft.com/office/drawing/2014/main" id="{13487D13-6A6F-4FDD-97BE-8253E4C1C5B6}"/>
+              </a:ext>
+            </a:extLst>
+          </p:cNvPr>
+          <p:cNvSpPr>
+            <a:spLocks noGrp="1"/>
+          </p:cNvSpPr>
+          <p:nvPr>
+            <p:ph idx="1"/>
+          </p:nvPr>
+        </p:nvSpPr>
+        <p:spPr>
+          <a:xfrm>
+            <a:off x="628650" y="1690689"/>
+            <a:ext cx="7886700" cy="1081694"/>
+          </a:xfrm>
+        </p:spPr>
+        <p:txBody>
+          <a:bodyPr/>
+          <a:lstStyle/>
+          <a:p>
+            <a:r>
+              <a:rPr lang="en-SG" sz="2000" dirty="0"/>
+              <a:t>This is Kevin Kennedy’s video tutorial  on the modelling of a hex nut: </a:t>
+            </a:r>
+            <a:r>
+              <a:rPr lang="en-SG" sz="2000" dirty="0">
+                <a:hlinkClick r:id="rId2"/>
+              </a:rPr>
+              <a:t>https://youtu.be/Xho87HJ-XDo</a:t>
+            </a:r>
+            <a:endParaRPr lang="en-SG" sz="2000" dirty="0"/>
+          </a:p>
+          <a:p>
+            <a:r>
+              <a:rPr lang="en-SG" sz="2000" dirty="0"/>
+              <a:t>A useful tutorial should you need to create odd-sized fasteners.</a:t>
+            </a:r>
+          </a:p>
+        </p:txBody>
+      </p:sp>
+      <p:sp>
+        <p:nvSpPr>
+          <p:cNvPr id="4" name="Slide Number Placeholder 3">
+            <a:extLst>
+              <a:ext uri="{FF2B5EF4-FFF2-40B4-BE49-F238E27FC236}">
+                <a16:creationId xmlns:a16="http://schemas.microsoft.com/office/drawing/2014/main" id="{9F42A95C-6FB4-4DDC-A1A8-F09F8BDC1144}"/>
+              </a:ext>
+            </a:extLst>
+          </p:cNvPr>
+          <p:cNvSpPr>
+            <a:spLocks noGrp="1"/>
+          </p:cNvSpPr>
+          <p:nvPr>
+            <p:ph type="sldNum" sz="quarter" idx="12"/>
+          </p:nvPr>
+        </p:nvSpPr>
+        <p:spPr/>
+        <p:txBody>
+          <a:bodyPr/>
+          <a:lstStyle/>
+          <a:p>
+            <a:fld id="{CAB166B3-F268-4CEF-878A-CFB0D0D505D3}" type="slidenum">
+              <a:rPr lang="en-US" smtClean="0"/>
+              <a:t>9</a:t>
+            </a:fld>
+            <a:endParaRPr lang="en-US"/>
+          </a:p>
+        </p:txBody>
+      </p:sp>
+      <p:pic>
+        <p:nvPicPr>
+          <p:cNvPr id="7" name="Picture 6">
+            <a:hlinkClick r:id="rId2"/>
+          </p:cNvPr>
+          <p:cNvPicPr>
+            <a:picLocks noChangeAspect="1"/>
+          </p:cNvPicPr>
+          <p:nvPr/>
+        </p:nvPicPr>
+        <p:blipFill>
+          <a:blip r:embed="rId3"/>
+          <a:stretch>
+            <a:fillRect/>
+          </a:stretch>
+        </p:blipFill>
+        <p:spPr>
+          <a:xfrm>
+            <a:off x="969219" y="2909481"/>
+            <a:ext cx="5610225" cy="3743325"/>
+          </a:xfrm>
+          <a:prstGeom prst="rect">
+            <a:avLst/>
+          </a:prstGeom>
+        </p:spPr>
+      </p:pic>
+    </p:spTree>
+    <p:extLst>
+      <p:ext uri="{BB962C8B-B14F-4D97-AF65-F5344CB8AC3E}">
+        <p14:creationId xmlns:p14="http://schemas.microsoft.com/office/powerpoint/2010/main" val="3803812018"/>
+      </p:ext>
+    </p:extLst>
+  </p:cSld>
+  <p:clrMapOvr>
+    <a:masterClrMapping/>
+  </p:clrMapOvr>
 </p:sld>
 </file>
 

--- a/presentations/ep1000_3dmodel2/ep1000_3dmodel2.pptx
+++ b/presentations/ep1000_3dmodel2/ep1000_3dmodel2.pptx
@@ -211,7 +211,7 @@
           <a:p>
             <a:fld id="{2A875741-58CA-43A4-9946-B635E52C5CD8}" type="datetimeFigureOut">
               <a:rPr lang="en-US" smtClean="0"/>
-              <a:t>5/16/2021</a:t>
+              <a:t>5/17/2021</a:t>
             </a:fld>
             <a:endParaRPr lang="en-US"/>
           </a:p>
@@ -621,7 +621,7 @@
           <a:p>
             <a:fld id="{9665C769-D7C3-4E51-9622-EB882B1C6B88}" type="datetime1">
               <a:rPr lang="en-US" smtClean="0"/>
-              <a:t>5/16/2021</a:t>
+              <a:t>5/17/2021</a:t>
             </a:fld>
             <a:endParaRPr lang="en-US"/>
           </a:p>
@@ -815,7 +815,7 @@
           <a:p>
             <a:fld id="{AC2FA8F2-92AD-4DF3-BB80-1A576E4607C5}" type="datetime1">
               <a:rPr lang="en-US" smtClean="0"/>
-              <a:t>5/16/2021</a:t>
+              <a:t>5/17/2021</a:t>
             </a:fld>
             <a:endParaRPr lang="en-US"/>
           </a:p>
@@ -1014,7 +1014,7 @@
           <a:p>
             <a:fld id="{FF161318-0D48-4B52-BC2D-A0EA8E79725D}" type="datetime1">
               <a:rPr lang="en-US" smtClean="0"/>
-              <a:t>5/16/2021</a:t>
+              <a:t>5/17/2021</a:t>
             </a:fld>
             <a:endParaRPr lang="en-US"/>
           </a:p>
@@ -1208,7 +1208,7 @@
           <a:p>
             <a:fld id="{828929F4-2E32-48E9-8E95-ABAA8EAAF6A9}" type="datetime1">
               <a:rPr lang="en-US" smtClean="0"/>
-              <a:t>5/16/2021</a:t>
+              <a:t>5/17/2021</a:t>
             </a:fld>
             <a:endParaRPr lang="en-US"/>
           </a:p>
@@ -1471,7 +1471,7 @@
           <a:p>
             <a:fld id="{4D668969-C21F-428C-9E53-8D921FF4543A}" type="datetime1">
               <a:rPr lang="en-US" smtClean="0"/>
-              <a:t>5/16/2021</a:t>
+              <a:t>5/17/2021</a:t>
             </a:fld>
             <a:endParaRPr lang="en-US"/>
           </a:p>
@@ -1725,7 +1725,7 @@
           <a:p>
             <a:fld id="{01FB22A5-6159-4D69-BFEE-F4892803599C}" type="datetime1">
               <a:rPr lang="en-US" smtClean="0"/>
-              <a:t>5/16/2021</a:t>
+              <a:t>5/17/2021</a:t>
             </a:fld>
             <a:endParaRPr lang="en-US"/>
           </a:p>
@@ -2119,7 +2119,7 @@
           <a:p>
             <a:fld id="{738CC944-9765-440C-9A18-3DC1DA37440E}" type="datetime1">
               <a:rPr lang="en-US" smtClean="0"/>
-              <a:t>5/16/2021</a:t>
+              <a:t>5/17/2021</a:t>
             </a:fld>
             <a:endParaRPr lang="en-US"/>
           </a:p>
@@ -2253,7 +2253,7 @@
           <a:p>
             <a:fld id="{D8661C67-BB8E-4D16-A78D-460AAF94A53C}" type="datetime1">
               <a:rPr lang="en-US" smtClean="0"/>
-              <a:t>5/16/2021</a:t>
+              <a:t>5/17/2021</a:t>
             </a:fld>
             <a:endParaRPr lang="en-US"/>
           </a:p>
@@ -2364,7 +2364,7 @@
           <a:p>
             <a:fld id="{DBBC12E8-4105-456C-A90A-AF2362FB188F}" type="datetime1">
               <a:rPr lang="en-US" smtClean="0"/>
-              <a:t>5/16/2021</a:t>
+              <a:t>5/17/2021</a:t>
             </a:fld>
             <a:endParaRPr lang="en-US"/>
           </a:p>
@@ -2663,7 +2663,7 @@
           <a:p>
             <a:fld id="{11FD4DDA-56B2-4B92-884C-68E9C78E3003}" type="datetime1">
               <a:rPr lang="en-US" smtClean="0"/>
-              <a:t>5/16/2021</a:t>
+              <a:t>5/17/2021</a:t>
             </a:fld>
             <a:endParaRPr lang="en-US"/>
           </a:p>
@@ -2942,7 +2942,7 @@
           <a:p>
             <a:fld id="{750461B4-47C4-4F2C-98A2-225FD39D225C}" type="datetime1">
               <a:rPr lang="en-US" smtClean="0"/>
-              <a:t>5/16/2021</a:t>
+              <a:t>5/17/2021</a:t>
             </a:fld>
             <a:endParaRPr lang="en-US"/>
           </a:p>
@@ -4707,9 +4707,10 @@
           </a:p>
           <a:p>
             <a:r>
-              <a:rPr lang="en-SG" dirty="0"/>
-              <a:t>Rotation</a:t>
-            </a:r>
+              <a:rPr lang="en-SG"/>
+              <a:t>Revolve</a:t>
+            </a:r>
+            <a:endParaRPr lang="en-SG" dirty="0"/>
           </a:p>
           <a:p>
             <a:pPr lvl="1"/>
